--- a/cai/redo-2024/Slides/14-04-python4e.04.120816.pptx
+++ b/cai/redo-2024/Slides/14-04-python4e.04.120816.pptx
@@ -7063,14 +7063,14 @@
           </a:ln>
           <a:extLst>
             <a:ext uri="{909E8E84-426E-40dd-AFC4-6F175D3DCCD1}">
-              <a14:hiddenFill xmlns="" xmlns:a14="http://schemas.microsoft.com/office/drawing/2010/main">
+              <a14:hiddenFill xmlns:a14="http://schemas.microsoft.com/office/drawing/2010/main" xmlns="">
                 <a:solidFill>
                   <a:srgbClr val="FFFFFF"/>
                 </a:solidFill>
               </a14:hiddenFill>
             </a:ext>
             <a:ext uri="{91240B29-F687-4f45-9708-019B960494DF}">
-              <a14:hiddenLine xmlns="" xmlns:a14="http://schemas.microsoft.com/office/drawing/2010/main" w="9525">
+              <a14:hiddenLine xmlns:a14="http://schemas.microsoft.com/office/drawing/2010/main" xmlns="" w="9525">
                 <a:solidFill>
                   <a:srgbClr val="000000"/>
                 </a:solidFill>
@@ -10390,7 +10390,7 @@
           </a:prstGeom>
           <a:ln w="76200">
             <a:solidFill>
-              <a:srgbClr val="FF0000"/>
+              <a:srgbClr val="00FDFF"/>
             </a:solidFill>
             <a:tailEnd type="triangle"/>
           </a:ln>
@@ -12100,7 +12100,7 @@
           </a:prstGeom>
           <a:ln w="76200">
             <a:solidFill>
-              <a:srgbClr val="FF0000"/>
+              <a:srgbClr val="00FDFF"/>
             </a:solidFill>
             <a:tailEnd type="triangle"/>
           </a:ln>
@@ -13870,7 +13870,7 @@
           </a:prstGeom>
           <a:ln w="76200">
             <a:solidFill>
-              <a:srgbClr val="FF0000"/>
+              <a:srgbClr val="00FDFF"/>
             </a:solidFill>
             <a:tailEnd type="triangle"/>
           </a:ln>
@@ -15640,7 +15640,7 @@
           </a:prstGeom>
           <a:ln w="76200">
             <a:solidFill>
-              <a:srgbClr val="FF0000"/>
+              <a:srgbClr val="00FDFF"/>
             </a:solidFill>
             <a:tailEnd type="triangle"/>
           </a:ln>
@@ -17410,7 +17410,7 @@
           </a:prstGeom>
           <a:ln w="76200">
             <a:solidFill>
-              <a:srgbClr val="FF0000"/>
+              <a:srgbClr val="00FDFF"/>
             </a:solidFill>
             <a:tailEnd type="triangle"/>
           </a:ln>
@@ -17919,14 +17919,14 @@
           </a:ln>
           <a:extLst>
             <a:ext uri="{909E8E84-426E-40dd-AFC4-6F175D3DCCD1}">
-              <a14:hiddenFill xmlns="" xmlns:a14="http://schemas.microsoft.com/office/drawing/2010/main">
+              <a14:hiddenFill xmlns:a14="http://schemas.microsoft.com/office/drawing/2010/main" xmlns="">
                 <a:solidFill>
                   <a:srgbClr val="FFFFFF"/>
                 </a:solidFill>
               </a14:hiddenFill>
             </a:ext>
             <a:ext uri="{91240B29-F687-4f45-9708-019B960494DF}">
-              <a14:hiddenLine xmlns="" xmlns:a14="http://schemas.microsoft.com/office/drawing/2010/main" w="9525">
+              <a14:hiddenLine xmlns:a14="http://schemas.microsoft.com/office/drawing/2010/main" xmlns="" w="9525">
                 <a:solidFill>
                   <a:srgbClr val="000000"/>
                 </a:solidFill>
